--- a/ST606_Presentation_YangWang.pptx
+++ b/ST606_Presentation_YangWang.pptx
@@ -5,7 +5,7 @@
     <p:sldMasterId id="2147483765" r:id="rId1"/>
   </p:sldMasterIdLst>
   <p:notesMasterIdLst>
-    <p:notesMasterId r:id="rId13"/>
+    <p:notesMasterId r:id="rId16"/>
   </p:notesMasterIdLst>
   <p:sldIdLst>
     <p:sldId id="345" r:id="rId2"/>
@@ -16,9 +16,12 @@
     <p:sldId id="351" r:id="rId7"/>
     <p:sldId id="352" r:id="rId8"/>
     <p:sldId id="353" r:id="rId9"/>
-    <p:sldId id="354" r:id="rId10"/>
-    <p:sldId id="356" r:id="rId11"/>
-    <p:sldId id="355" r:id="rId12"/>
+    <p:sldId id="358" r:id="rId10"/>
+    <p:sldId id="354" r:id="rId11"/>
+    <p:sldId id="356" r:id="rId12"/>
+    <p:sldId id="355" r:id="rId13"/>
+    <p:sldId id="359" r:id="rId14"/>
+    <p:sldId id="360" r:id="rId15"/>
   </p:sldIdLst>
   <p:sldSz cx="12192000" cy="6858000"/>
   <p:notesSz cx="6858000" cy="9144000"/>
@@ -130,9 +133,12 @@
             <p14:sldId id="351"/>
             <p14:sldId id="352"/>
             <p14:sldId id="353"/>
+            <p14:sldId id="358"/>
             <p14:sldId id="354"/>
             <p14:sldId id="356"/>
             <p14:sldId id="355"/>
+            <p14:sldId id="359"/>
+            <p14:sldId id="360"/>
           </p14:sldIdLst>
         </p14:section>
         <p14:section name="Untitled Section" id="{75C0A298-910F-4DCC-A68D-85EA762456D2}">
@@ -241,7 +247,7 @@
           <a:p>
             <a:fld id="{E3AD8F3F-748B-4221-89B1-755B747CF06F}" type="datetimeFigureOut">
               <a:rPr lang="en-US" smtClean="0"/>
-              <a:t>6/18/2020</a:t>
+              <a:t>6/26/2020</a:t>
             </a:fld>
             <a:endParaRPr lang="en-US"/>
           </a:p>
@@ -734,7 +740,7 @@
           <a:p>
             <a:fld id="{16047D19-6317-496A-A22E-F4F876F4BF42}" type="datetimeFigureOut">
               <a:rPr lang="en-US" smtClean="0"/>
-              <a:t>6/18/2020</a:t>
+              <a:t>6/26/2020</a:t>
             </a:fld>
             <a:endParaRPr lang="en-US"/>
           </a:p>
@@ -942,7 +948,7 @@
           <a:p>
             <a:fld id="{16047D19-6317-496A-A22E-F4F876F4BF42}" type="datetimeFigureOut">
               <a:rPr lang="en-US" smtClean="0"/>
-              <a:t>6/18/2020</a:t>
+              <a:t>6/26/2020</a:t>
             </a:fld>
             <a:endParaRPr lang="en-US"/>
           </a:p>
@@ -1198,7 +1204,7 @@
           <a:p>
             <a:fld id="{16047D19-6317-496A-A22E-F4F876F4BF42}" type="datetimeFigureOut">
               <a:rPr lang="en-US" smtClean="0"/>
-              <a:t>6/18/2020</a:t>
+              <a:t>6/26/2020</a:t>
             </a:fld>
             <a:endParaRPr lang="en-US"/>
           </a:p>
@@ -1372,7 +1378,7 @@
           <a:p>
             <a:fld id="{16047D19-6317-496A-A22E-F4F876F4BF42}" type="datetimeFigureOut">
               <a:rPr lang="en-US" smtClean="0"/>
-              <a:t>6/18/2020</a:t>
+              <a:t>6/26/2020</a:t>
             </a:fld>
             <a:endParaRPr lang="en-US"/>
           </a:p>
@@ -1715,7 +1721,7 @@
           <a:p>
             <a:fld id="{16047D19-6317-496A-A22E-F4F876F4BF42}" type="datetimeFigureOut">
               <a:rPr lang="en-US" smtClean="0"/>
-              <a:t>6/18/2020</a:t>
+              <a:t>6/26/2020</a:t>
             </a:fld>
             <a:endParaRPr lang="en-US"/>
           </a:p>
@@ -1990,7 +1996,7 @@
           <a:p>
             <a:fld id="{16047D19-6317-496A-A22E-F4F876F4BF42}" type="datetimeFigureOut">
               <a:rPr lang="en-US" smtClean="0"/>
-              <a:t>6/18/2020</a:t>
+              <a:t>6/26/2020</a:t>
             </a:fld>
             <a:endParaRPr lang="en-US"/>
           </a:p>
@@ -2369,7 +2375,7 @@
           <a:p>
             <a:fld id="{16047D19-6317-496A-A22E-F4F876F4BF42}" type="datetimeFigureOut">
               <a:rPr lang="en-US" smtClean="0"/>
-              <a:t>6/18/2020</a:t>
+              <a:t>6/26/2020</a:t>
             </a:fld>
             <a:endParaRPr lang="en-US"/>
           </a:p>
@@ -2487,7 +2493,7 @@
           <a:p>
             <a:fld id="{16047D19-6317-496A-A22E-F4F876F4BF42}" type="datetimeFigureOut">
               <a:rPr lang="en-US" smtClean="0"/>
-              <a:t>6/18/2020</a:t>
+              <a:t>6/26/2020</a:t>
             </a:fld>
             <a:endParaRPr lang="en-US"/>
           </a:p>
@@ -2658,7 +2664,7 @@
           <a:p>
             <a:fld id="{16047D19-6317-496A-A22E-F4F876F4BF42}" type="datetimeFigureOut">
               <a:rPr lang="en-US" smtClean="0"/>
-              <a:t>6/18/2020</a:t>
+              <a:t>6/26/2020</a:t>
             </a:fld>
             <a:endParaRPr lang="en-US"/>
           </a:p>
@@ -3012,7 +3018,7 @@
           <a:p>
             <a:fld id="{16047D19-6317-496A-A22E-F4F876F4BF42}" type="datetimeFigureOut">
               <a:rPr lang="en-US" smtClean="0"/>
-              <a:t>6/18/2020</a:t>
+              <a:t>6/26/2020</a:t>
             </a:fld>
             <a:endParaRPr lang="en-US"/>
           </a:p>
@@ -3394,7 +3400,7 @@
           <a:p>
             <a:fld id="{16047D19-6317-496A-A22E-F4F876F4BF42}" type="datetimeFigureOut">
               <a:rPr lang="en-US" smtClean="0"/>
-              <a:t>6/18/2020</a:t>
+              <a:t>6/26/2020</a:t>
             </a:fld>
             <a:endParaRPr lang="en-US"/>
           </a:p>
@@ -3681,7 +3687,7 @@
           <a:p>
             <a:fld id="{16047D19-6317-496A-A22E-F4F876F4BF42}" type="datetimeFigureOut">
               <a:rPr lang="en-US" smtClean="0"/>
-              <a:t>6/18/2020</a:t>
+              <a:t>6/26/2020</a:t>
             </a:fld>
             <a:endParaRPr lang="en-US"/>
           </a:p>
@@ -4340,10 +4346,10 @@
       </p:cxnSp>
       <p:sp>
         <p:nvSpPr>
-          <p:cNvPr id="3" name="TextBox 2">
+          <p:cNvPr id="4" name="TextBox 3">
             <a:extLst>
               <a:ext uri="{FF2B5EF4-FFF2-40B4-BE49-F238E27FC236}">
-                <a16:creationId xmlns:a16="http://schemas.microsoft.com/office/drawing/2014/main" id="{883EC139-FD8B-48D3-B02F-327315A6CFFF}"/>
+                <a16:creationId xmlns:a16="http://schemas.microsoft.com/office/drawing/2014/main" id="{2C33F35B-88DB-4AFC-90C6-8548D830240D}"/>
               </a:ext>
             </a:extLst>
           </p:cNvPr>
@@ -4352,8 +4358,8 @@
         </p:nvSpPr>
         <p:spPr>
           <a:xfrm>
-            <a:off x="8652096" y="4089952"/>
-            <a:ext cx="2060027" cy="707886"/>
+            <a:off x="7812475" y="3971624"/>
+            <a:ext cx="4006523" cy="1015663"/>
           </a:xfrm>
           <a:prstGeom prst="rect">
             <a:avLst/>
@@ -4367,14 +4373,29 @@
           <a:lstStyle/>
           <a:p>
             <a:r>
+              <a:rPr lang="en-GB" sz="2000" dirty="0">
+                <a:latin typeface="Segoe UI" panose="020B0502040204020203" pitchFamily="34" charset="0"/>
+              </a:rPr>
+              <a:t>S</a:t>
+            </a:r>
+            <a:r>
+              <a:rPr lang="en-GB" sz="2000" b="0" i="0" dirty="0">
+                <a:effectLst/>
+                <a:latin typeface="Segoe UI" panose="020B0502040204020203" pitchFamily="34" charset="0"/>
+              </a:rPr>
+              <a:t>upervisor:  Catherine Hurley</a:t>
+            </a:r>
+          </a:p>
+          <a:p>
+            <a:r>
               <a:rPr lang="en-GB" sz="2000" dirty="0"/>
-              <a:t>YANG WANG</a:t>
+              <a:t>          Name:   YANG WANG</a:t>
             </a:r>
           </a:p>
           <a:p>
             <a:r>
               <a:rPr lang="en-GB" sz="2000" dirty="0"/>
-              <a:t>26</a:t>
+              <a:t>            Date:   26</a:t>
             </a:r>
             <a:r>
               <a:rPr lang="en-GB" sz="2000" baseline="30000" dirty="0"/>
@@ -4397,14 +4418,14 @@
   <p:clrMapOvr>
     <a:masterClrMapping/>
   </p:clrMapOvr>
-  <mc:AlternateContent xmlns:mc="http://schemas.openxmlformats.org/markup-compatibility/2006">
-    <mc:Choice xmlns:p15="http://schemas.microsoft.com/office/powerpoint/2012/main" Requires="p15">
-      <p:transition xmlns:p14="http://schemas.microsoft.com/office/powerpoint/2010/main" spd="slow" p14:dur="1250" advTm="7450">
+  <mc:AlternateContent xmlns:mc="http://schemas.openxmlformats.org/markup-compatibility/2006" xmlns:p15="http://schemas.microsoft.com/office/powerpoint/2012/main">
+    <mc:Choice Requires="p15">
+      <p:transition xmlns:p14="http://schemas.microsoft.com/office/powerpoint/2010/main" spd="slow" p14:dur="1250" advTm="6462">
         <p15:prstTrans prst="pageCurlDouble"/>
       </p:transition>
     </mc:Choice>
-    <mc:Fallback>
-      <p:transition spd="slow" advTm="7450">
+    <mc:Fallback xmlns="">
+      <p:transition spd="slow" advTm="6462">
         <p:fade/>
       </p:transition>
     </mc:Fallback>
@@ -4413,6 +4434,412 @@
 </file>
 
 <file path=ppt/slides/slide10.xml><?xml version="1.0" encoding="utf-8"?>
+<p:sld xmlns:a="http://schemas.openxmlformats.org/drawingml/2006/main" xmlns:r="http://schemas.openxmlformats.org/officeDocument/2006/relationships" xmlns:p="http://schemas.openxmlformats.org/presentationml/2006/main">
+  <p:cSld>
+    <p:spTree>
+      <p:nvGrpSpPr>
+        <p:cNvPr id="1" name=""/>
+        <p:cNvGrpSpPr/>
+        <p:nvPr/>
+      </p:nvGrpSpPr>
+      <p:grpSpPr>
+        <a:xfrm>
+          <a:off x="0" y="0"/>
+          <a:ext cx="0" cy="0"/>
+          <a:chOff x="0" y="0"/>
+          <a:chExt cx="0" cy="0"/>
+        </a:xfrm>
+      </p:grpSpPr>
+      <p:sp>
+        <p:nvSpPr>
+          <p:cNvPr id="2" name="Title 1">
+            <a:extLst>
+              <a:ext uri="{FF2B5EF4-FFF2-40B4-BE49-F238E27FC236}">
+                <a16:creationId xmlns:a16="http://schemas.microsoft.com/office/drawing/2014/main" id="{2C36D093-C99B-4073-97E5-32081F0F49AB}"/>
+              </a:ext>
+            </a:extLst>
+          </p:cNvPr>
+          <p:cNvSpPr>
+            <a:spLocks noGrp="1"/>
+          </p:cNvSpPr>
+          <p:nvPr>
+            <p:ph type="title"/>
+          </p:nvPr>
+        </p:nvSpPr>
+        <p:spPr/>
+        <p:txBody>
+          <a:bodyPr>
+            <a:normAutofit/>
+          </a:bodyPr>
+          <a:lstStyle/>
+          <a:p>
+            <a:r>
+              <a:rPr lang="en-GB" b="1" dirty="0"/>
+              <a:t>Compare the growth rate by gender</a:t>
+            </a:r>
+          </a:p>
+        </p:txBody>
+      </p:sp>
+      <p:sp>
+        <p:nvSpPr>
+          <p:cNvPr id="3" name="Content Placeholder 2">
+            <a:extLst>
+              <a:ext uri="{FF2B5EF4-FFF2-40B4-BE49-F238E27FC236}">
+                <a16:creationId xmlns:a16="http://schemas.microsoft.com/office/drawing/2014/main" id="{FE9FBCA3-2EAA-4ADC-8414-6C211FD97B11}"/>
+              </a:ext>
+            </a:extLst>
+          </p:cNvPr>
+          <p:cNvSpPr>
+            <a:spLocks noGrp="1"/>
+          </p:cNvSpPr>
+          <p:nvPr>
+            <p:ph idx="1"/>
+          </p:nvPr>
+        </p:nvSpPr>
+        <p:spPr>
+          <a:xfrm>
+            <a:off x="1097280" y="1845734"/>
+            <a:ext cx="10058400" cy="4253730"/>
+          </a:xfrm>
+        </p:spPr>
+        <p:txBody>
+          <a:bodyPr>
+            <a:noAutofit/>
+          </a:bodyPr>
+          <a:lstStyle/>
+          <a:p>
+            <a:pPr marL="201168" lvl="1" indent="0">
+              <a:buNone/>
+            </a:pPr>
+            <a:endParaRPr lang="en-GB" sz="2000" b="1" u="sng" dirty="0">
+              <a:latin typeface="Calibri (Body)"/>
+            </a:endParaRPr>
+          </a:p>
+          <a:p>
+            <a:pPr lvl="1">
+              <a:buFont typeface="Wingdings" panose="05000000000000000000" pitchFamily="2" charset="2"/>
+              <a:buChar char="Ø"/>
+            </a:pPr>
+            <a:endParaRPr lang="en-GB" sz="2000" b="1" u="sng" dirty="0">
+              <a:latin typeface="Calibri (Body)"/>
+            </a:endParaRPr>
+          </a:p>
+          <a:p>
+            <a:pPr lvl="1">
+              <a:buFont typeface="Wingdings" panose="05000000000000000000" pitchFamily="2" charset="2"/>
+              <a:buChar char="Ø"/>
+            </a:pPr>
+            <a:endParaRPr lang="en-GB" sz="2000" b="1" u="sng" dirty="0">
+              <a:latin typeface="Calibri (Body)"/>
+            </a:endParaRPr>
+          </a:p>
+          <a:p>
+            <a:pPr lvl="1">
+              <a:buFont typeface="Wingdings" panose="05000000000000000000" pitchFamily="2" charset="2"/>
+              <a:buChar char="Ø"/>
+            </a:pPr>
+            <a:endParaRPr lang="en-GB" sz="2000" b="1" u="sng" dirty="0">
+              <a:latin typeface="Calibri (Body)"/>
+            </a:endParaRPr>
+          </a:p>
+          <a:p>
+            <a:pPr lvl="1">
+              <a:buFont typeface="Wingdings" panose="05000000000000000000" pitchFamily="2" charset="2"/>
+              <a:buChar char="Ø"/>
+            </a:pPr>
+            <a:endParaRPr lang="en-GB" sz="2000" b="1" u="sng" dirty="0">
+              <a:latin typeface="Calibri (Body)"/>
+            </a:endParaRPr>
+          </a:p>
+          <a:p>
+            <a:pPr lvl="1">
+              <a:buFont typeface="Wingdings" panose="05000000000000000000" pitchFamily="2" charset="2"/>
+              <a:buChar char="Ø"/>
+            </a:pPr>
+            <a:endParaRPr lang="en-GB" sz="2000" b="1" u="sng" dirty="0">
+              <a:latin typeface="Calibri (Body)"/>
+            </a:endParaRPr>
+          </a:p>
+          <a:p>
+            <a:pPr marL="201168" lvl="1" indent="0">
+              <a:buNone/>
+            </a:pPr>
+            <a:endParaRPr lang="en-GB" sz="2000" b="1" u="sng" dirty="0">
+              <a:latin typeface="Calibri (Body)"/>
+            </a:endParaRPr>
+          </a:p>
+          <a:p>
+            <a:pPr marL="201168" lvl="1" indent="0">
+              <a:buNone/>
+            </a:pPr>
+            <a:r>
+              <a:rPr lang="en-GB" sz="2000" dirty="0">
+                <a:latin typeface="Calibri (Body)"/>
+              </a:rPr>
+              <a:t>      </a:t>
+            </a:r>
+            <a:endParaRPr lang="en-GB" dirty="0">
+              <a:latin typeface="Calibri (Body)"/>
+            </a:endParaRPr>
+          </a:p>
+        </p:txBody>
+      </p:sp>
+      <p:sp>
+        <p:nvSpPr>
+          <p:cNvPr id="9" name="TextBox 8">
+            <a:extLst>
+              <a:ext uri="{FF2B5EF4-FFF2-40B4-BE49-F238E27FC236}">
+                <a16:creationId xmlns:a16="http://schemas.microsoft.com/office/drawing/2014/main" id="{DC655D1F-3B90-4641-B8D7-668AEDCD5E08}"/>
+              </a:ext>
+            </a:extLst>
+          </p:cNvPr>
+          <p:cNvSpPr txBox="1"/>
+          <p:nvPr/>
+        </p:nvSpPr>
+        <p:spPr>
+          <a:xfrm>
+            <a:off x="1036320" y="5584341"/>
+            <a:ext cx="184731" cy="338554"/>
+          </a:xfrm>
+          <a:prstGeom prst="rect">
+            <a:avLst/>
+          </a:prstGeom>
+          <a:noFill/>
+        </p:spPr>
+        <p:txBody>
+          <a:bodyPr wrap="none" rtlCol="0">
+            <a:spAutoFit/>
+          </a:bodyPr>
+          <a:lstStyle/>
+          <a:p>
+            <a:endParaRPr lang="en-GB" sz="1600" dirty="0"/>
+          </a:p>
+        </p:txBody>
+      </p:sp>
+      <p:pic>
+        <p:nvPicPr>
+          <p:cNvPr id="3074" name="Picture 2">
+            <a:extLst>
+              <a:ext uri="{FF2B5EF4-FFF2-40B4-BE49-F238E27FC236}">
+                <a16:creationId xmlns:a16="http://schemas.microsoft.com/office/drawing/2014/main" id="{C1F6BAD3-DDC2-4C3A-983E-B3C8D2F13346}"/>
+              </a:ext>
+            </a:extLst>
+          </p:cNvPr>
+          <p:cNvPicPr>
+            <a:picLocks noChangeAspect="1" noChangeArrowheads="1"/>
+          </p:cNvPicPr>
+          <p:nvPr/>
+        </p:nvPicPr>
+        <p:blipFill>
+          <a:blip r:embed="rId2" cstate="print">
+            <a:extLst>
+              <a:ext uri="{28A0092B-C50C-407E-A947-70E740481C1C}">
+                <a14:useLocalDpi xmlns:a14="http://schemas.microsoft.com/office/drawing/2010/main" val="0"/>
+              </a:ext>
+            </a:extLst>
+          </a:blip>
+          <a:srcRect/>
+          <a:stretch>
+            <a:fillRect/>
+          </a:stretch>
+        </p:blipFill>
+        <p:spPr bwMode="auto">
+          <a:xfrm>
+            <a:off x="552001" y="1793618"/>
+            <a:ext cx="5543999" cy="3960000"/>
+          </a:xfrm>
+          <a:prstGeom prst="rect">
+            <a:avLst/>
+          </a:prstGeom>
+          <a:noFill/>
+          <a:extLst>
+            <a:ext uri="{909E8E84-426E-40DD-AFC4-6F175D3DCCD1}">
+              <a14:hiddenFill xmlns:a14="http://schemas.microsoft.com/office/drawing/2010/main">
+                <a:solidFill>
+                  <a:srgbClr val="FFFFFF"/>
+                </a:solidFill>
+              </a14:hiddenFill>
+            </a:ext>
+          </a:extLst>
+        </p:spPr>
+      </p:pic>
+      <p:sp>
+        <p:nvSpPr>
+          <p:cNvPr id="4" name="TextBox 3">
+            <a:extLst>
+              <a:ext uri="{FF2B5EF4-FFF2-40B4-BE49-F238E27FC236}">
+                <a16:creationId xmlns:a16="http://schemas.microsoft.com/office/drawing/2014/main" id="{387A5423-BFDA-4ACB-ACF9-6F14F3858DDB}"/>
+              </a:ext>
+            </a:extLst>
+          </p:cNvPr>
+          <p:cNvSpPr txBox="1"/>
+          <p:nvPr/>
+        </p:nvSpPr>
+        <p:spPr>
+          <a:xfrm>
+            <a:off x="6126480" y="2394403"/>
+            <a:ext cx="5132208" cy="2585323"/>
+          </a:xfrm>
+          <a:prstGeom prst="rect">
+            <a:avLst/>
+          </a:prstGeom>
+          <a:noFill/>
+        </p:spPr>
+        <p:txBody>
+          <a:bodyPr wrap="square" rtlCol="0">
+            <a:spAutoFit/>
+          </a:bodyPr>
+          <a:lstStyle/>
+          <a:p>
+            <a:pPr marL="285750" indent="-285750" algn="l">
+              <a:buFont typeface="Wingdings" panose="05000000000000000000" pitchFamily="2" charset="2"/>
+              <a:buChar char="q"/>
+            </a:pPr>
+            <a:r>
+              <a:rPr lang="en-GB" b="0" i="0" dirty="0">
+                <a:solidFill>
+                  <a:srgbClr val="333333"/>
+                </a:solidFill>
+                <a:effectLst/>
+                <a:latin typeface="Helvetica Neue"/>
+              </a:rPr>
+              <a:t> 6-10 year-old: </a:t>
+            </a:r>
+          </a:p>
+          <a:p>
+            <a:pPr algn="l"/>
+            <a:r>
+              <a:rPr lang="en-GB" dirty="0">
+                <a:solidFill>
+                  <a:srgbClr val="333333"/>
+                </a:solidFill>
+                <a:latin typeface="Helvetica Neue"/>
+              </a:rPr>
+              <a:t>      </a:t>
+            </a:r>
+            <a:r>
+              <a:rPr lang="en-GB" b="0" i="0" dirty="0">
+                <a:solidFill>
+                  <a:srgbClr val="333333"/>
+                </a:solidFill>
+                <a:effectLst/>
+                <a:latin typeface="Helvetica Neue"/>
+              </a:rPr>
+              <a:t>Boys and Girls almost have the same rate.</a:t>
+            </a:r>
+          </a:p>
+          <a:p>
+            <a:pPr algn="l"/>
+            <a:endParaRPr lang="en-GB" b="0" i="0" dirty="0">
+              <a:solidFill>
+                <a:srgbClr val="333333"/>
+              </a:solidFill>
+              <a:effectLst/>
+              <a:latin typeface="Helvetica Neue"/>
+            </a:endParaRPr>
+          </a:p>
+          <a:p>
+            <a:pPr marL="285750" indent="-285750" algn="l">
+              <a:buFont typeface="Wingdings" panose="05000000000000000000" pitchFamily="2" charset="2"/>
+              <a:buChar char="q"/>
+            </a:pPr>
+            <a:r>
+              <a:rPr lang="en-GB" b="0" i="0" dirty="0">
+                <a:solidFill>
+                  <a:srgbClr val="333333"/>
+                </a:solidFill>
+                <a:effectLst/>
+                <a:latin typeface="Helvetica Neue"/>
+              </a:rPr>
+              <a:t>10~13.5 year-old: </a:t>
+            </a:r>
+          </a:p>
+          <a:p>
+            <a:r>
+              <a:rPr lang="en-GB" b="0" i="0" dirty="0">
+                <a:solidFill>
+                  <a:srgbClr val="333333"/>
+                </a:solidFill>
+                <a:effectLst/>
+                <a:latin typeface="Helvetica Neue"/>
+              </a:rPr>
+              <a:t>     Girls are a little higher than boys.</a:t>
+            </a:r>
+          </a:p>
+          <a:p>
+            <a:pPr algn="l"/>
+            <a:endParaRPr lang="en-GB" dirty="0">
+              <a:solidFill>
+                <a:srgbClr val="333333"/>
+              </a:solidFill>
+              <a:latin typeface="Helvetica Neue"/>
+            </a:endParaRPr>
+          </a:p>
+          <a:p>
+            <a:pPr marL="285750" indent="-285750" algn="l">
+              <a:buFont typeface="Wingdings" panose="05000000000000000000" pitchFamily="2" charset="2"/>
+              <a:buChar char="q"/>
+            </a:pPr>
+            <a:r>
+              <a:rPr lang="en-GB" b="0" i="0" dirty="0">
+                <a:solidFill>
+                  <a:srgbClr val="333333"/>
+                </a:solidFill>
+                <a:effectLst/>
+                <a:latin typeface="Helvetica Neue"/>
+              </a:rPr>
+              <a:t>13.6~18 year-old: </a:t>
+            </a:r>
+          </a:p>
+          <a:p>
+            <a:pPr algn="l"/>
+            <a:r>
+              <a:rPr lang="en-GB" dirty="0">
+                <a:solidFill>
+                  <a:srgbClr val="333333"/>
+                </a:solidFill>
+                <a:latin typeface="Helvetica Neue"/>
+              </a:rPr>
+              <a:t>     </a:t>
+            </a:r>
+            <a:r>
+              <a:rPr lang="en-GB" b="0" i="0" dirty="0">
+                <a:solidFill>
+                  <a:srgbClr val="333333"/>
+                </a:solidFill>
+                <a:effectLst/>
+                <a:latin typeface="Helvetica Neue"/>
+              </a:rPr>
+              <a:t>Boys are significant higher than Girls</a:t>
+            </a:r>
+          </a:p>
+          <a:p>
+            <a:endParaRPr lang="en-GB" dirty="0"/>
+          </a:p>
+        </p:txBody>
+      </p:sp>
+    </p:spTree>
+    <p:extLst>
+      <p:ext uri="{BB962C8B-B14F-4D97-AF65-F5344CB8AC3E}">
+        <p14:creationId xmlns:p14="http://schemas.microsoft.com/office/powerpoint/2010/main" val="1557599358"/>
+      </p:ext>
+    </p:extLst>
+  </p:cSld>
+  <p:clrMapOvr>
+    <a:masterClrMapping/>
+  </p:clrMapOvr>
+  <mc:AlternateContent xmlns:mc="http://schemas.openxmlformats.org/markup-compatibility/2006" xmlns:p14="http://schemas.microsoft.com/office/powerpoint/2010/main">
+    <mc:Choice Requires="p14">
+      <p:transition spd="slow" p14:dur="2000" advTm="28032"/>
+    </mc:Choice>
+    <mc:Fallback xmlns="">
+      <p:transition spd="slow" advTm="28032"/>
+    </mc:Fallback>
+  </mc:AlternateContent>
+</p:sld>
+</file>
+
+<file path=ppt/slides/slide11.xml><?xml version="1.0" encoding="utf-8"?>
 <p:sld xmlns:a="http://schemas.openxmlformats.org/drawingml/2006/main" xmlns:r="http://schemas.openxmlformats.org/officeDocument/2006/relationships" xmlns:p="http://schemas.openxmlformats.org/presentationml/2006/main">
   <p:cSld>
     <p:spTree>
@@ -4986,18 +5413,18 @@
   <p:clrMapOvr>
     <a:masterClrMapping/>
   </p:clrMapOvr>
-  <mc:AlternateContent xmlns:mc="http://schemas.openxmlformats.org/markup-compatibility/2006">
-    <mc:Choice xmlns:p14="http://schemas.microsoft.com/office/powerpoint/2010/main" Requires="p14">
-      <p:transition spd="slow" p14:dur="2000" advTm="58736"/>
+  <mc:AlternateContent xmlns:mc="http://schemas.openxmlformats.org/markup-compatibility/2006" xmlns:p14="http://schemas.microsoft.com/office/powerpoint/2010/main">
+    <mc:Choice Requires="p14">
+      <p:transition spd="slow" p14:dur="2000" advTm="65231"/>
     </mc:Choice>
-    <mc:Fallback>
-      <p:transition spd="slow" advTm="58736"/>
+    <mc:Fallback xmlns="">
+      <p:transition spd="slow" advTm="65231"/>
     </mc:Fallback>
   </mc:AlternateContent>
 </p:sld>
 </file>
 
-<file path=ppt/slides/slide11.xml><?xml version="1.0" encoding="utf-8"?>
+<file path=ppt/slides/slide12.xml><?xml version="1.0" encoding="utf-8"?>
 <p:sld xmlns:a="http://schemas.openxmlformats.org/drawingml/2006/main" xmlns:r="http://schemas.openxmlformats.org/officeDocument/2006/relationships" xmlns:p="http://schemas.openxmlformats.org/presentationml/2006/main">
   <p:cSld>
     <p:spTree>
@@ -5070,6 +5497,17 @@
           </a:bodyPr>
           <a:lstStyle/>
           <a:p>
+            <a:pPr marL="201168" lvl="1" indent="0">
+              <a:buNone/>
+            </a:pPr>
+            <a:r>
+              <a:rPr lang="en-GB" sz="2000" dirty="0">
+                <a:latin typeface="Calibri (Body)"/>
+              </a:rPr>
+              <a:t>  </a:t>
+            </a:r>
+          </a:p>
+          <a:p>
             <a:pPr lvl="1">
               <a:buFont typeface="Wingdings" panose="05000000000000000000" pitchFamily="2" charset="2"/>
               <a:buChar char="Ø"/>
@@ -5078,15 +5516,45 @@
               <a:rPr lang="en-GB" sz="2000" dirty="0">
                 <a:latin typeface="Calibri (Body)"/>
               </a:rPr>
-              <a:t>  The fact that the model fits well both in boys and girls. </a:t>
-            </a:r>
+              <a:t>  The fact that the SITAR model fits well both in boys and girls. </a:t>
+            </a:r>
+          </a:p>
+          <a:p>
+            <a:pPr marL="201168" lvl="1" indent="0">
+              <a:buNone/>
+            </a:pPr>
+            <a:endParaRPr lang="en-GB" sz="2000" b="1" u="sng" dirty="0">
+              <a:latin typeface="Calibri (Body)"/>
+            </a:endParaRPr>
           </a:p>
           <a:p>
             <a:pPr lvl="1">
               <a:buFont typeface="Wingdings" panose="05000000000000000000" pitchFamily="2" charset="2"/>
               <a:buChar char="Ø"/>
             </a:pPr>
-            <a:endParaRPr lang="en-GB" sz="2000" b="1" u="sng" dirty="0">
+            <a:r>
+              <a:rPr lang="en-GB" sz="2000" dirty="0">
+                <a:latin typeface="Calibri (Body)"/>
+              </a:rPr>
+              <a:t>  Compared the growth curve, we can see that the difference of growth rate </a:t>
+            </a:r>
+          </a:p>
+          <a:p>
+            <a:pPr marL="201168" lvl="1" indent="0">
+              <a:buNone/>
+            </a:pPr>
+            <a:r>
+              <a:rPr lang="en-GB" sz="2000" dirty="0">
+                <a:latin typeface="Calibri (Body)"/>
+              </a:rPr>
+              <a:t>      and velocity by gender at a certain age.</a:t>
+            </a:r>
+          </a:p>
+          <a:p>
+            <a:pPr marL="201168" lvl="1" indent="0">
+              <a:buNone/>
+            </a:pPr>
+            <a:endParaRPr lang="en-GB" sz="2000" dirty="0">
               <a:latin typeface="Calibri (Body)"/>
             </a:endParaRPr>
           </a:p>
@@ -5099,7 +5567,7 @@
               <a:rPr lang="en-GB" sz="2000" dirty="0">
                 <a:latin typeface="Calibri (Body)"/>
               </a:rPr>
-              <a:t>  Compared the growth curve, we can see that the difference of growth rate </a:t>
+              <a:t>  The growth curve can help us to find out whether or not the children </a:t>
             </a:r>
           </a:p>
           <a:p>
@@ -5110,50 +5578,7 @@
               <a:rPr lang="en-GB" sz="2000" dirty="0">
                 <a:latin typeface="Calibri (Body)"/>
               </a:rPr>
-              <a:t>      and velocity by gender at a certain age.</a:t>
-            </a:r>
-          </a:p>
-          <a:p>
-            <a:pPr marL="201168" lvl="1" indent="0">
-              <a:buNone/>
-            </a:pPr>
-            <a:endParaRPr lang="en-GB" sz="2000" dirty="0">
-              <a:latin typeface="Calibri (Body)"/>
-            </a:endParaRPr>
-          </a:p>
-          <a:p>
-            <a:pPr lvl="1">
-              <a:buFont typeface="Wingdings" panose="05000000000000000000" pitchFamily="2" charset="2"/>
-              <a:buChar char="Ø"/>
-            </a:pPr>
-            <a:r>
-              <a:rPr lang="en-GB" sz="2000" dirty="0">
-                <a:latin typeface="Calibri (Body)"/>
-              </a:rPr>
-              <a:t>  The growth curve can help us to find out whether or not the children </a:t>
-            </a:r>
-          </a:p>
-          <a:p>
-            <a:pPr marL="201168" lvl="1" indent="0">
-              <a:buNone/>
-            </a:pPr>
-            <a:r>
-              <a:rPr lang="en-GB" sz="2000" dirty="0">
-                <a:latin typeface="Calibri (Body)"/>
-              </a:rPr>
-              <a:t>      follow a normal </a:t>
-            </a:r>
-            <a:r>
-              <a:rPr lang="en-GB" sz="2000">
-                <a:latin typeface="Calibri (Body)"/>
-              </a:rPr>
-              <a:t>growth pattern</a:t>
-            </a:r>
-            <a:r>
-              <a:rPr lang="en-GB" sz="2000" dirty="0">
-                <a:latin typeface="Calibri (Body)"/>
-              </a:rPr>
-              <a:t>.</a:t>
+              <a:t>      follow a normal growth pattern.</a:t>
             </a:r>
           </a:p>
         </p:txBody>
@@ -5168,12 +5593,429 @@
   <p:clrMapOvr>
     <a:masterClrMapping/>
   </p:clrMapOvr>
-  <mc:AlternateContent xmlns:mc="http://schemas.openxmlformats.org/markup-compatibility/2006">
-    <mc:Choice xmlns:p14="http://schemas.microsoft.com/office/powerpoint/2010/main" Requires="p14">
-      <p:transition spd="slow" p14:dur="2000" advTm="27841"/>
+  <mc:AlternateContent xmlns:mc="http://schemas.openxmlformats.org/markup-compatibility/2006" xmlns:p14="http://schemas.microsoft.com/office/powerpoint/2010/main">
+    <mc:Choice Requires="p14">
+      <p:transition spd="slow" p14:dur="2000" advTm="19651"/>
     </mc:Choice>
-    <mc:Fallback>
-      <p:transition spd="slow" advTm="27841"/>
+    <mc:Fallback xmlns="">
+      <p:transition spd="slow" advTm="19651"/>
+    </mc:Fallback>
+  </mc:AlternateContent>
+</p:sld>
+</file>
+
+<file path=ppt/slides/slide13.xml><?xml version="1.0" encoding="utf-8"?>
+<p:sld xmlns:a="http://schemas.openxmlformats.org/drawingml/2006/main" xmlns:r="http://schemas.openxmlformats.org/officeDocument/2006/relationships" xmlns:p="http://schemas.openxmlformats.org/presentationml/2006/main">
+  <p:cSld>
+    <p:spTree>
+      <p:nvGrpSpPr>
+        <p:cNvPr id="1" name=""/>
+        <p:cNvGrpSpPr/>
+        <p:nvPr/>
+      </p:nvGrpSpPr>
+      <p:grpSpPr>
+        <a:xfrm>
+          <a:off x="0" y="0"/>
+          <a:ext cx="0" cy="0"/>
+          <a:chOff x="0" y="0"/>
+          <a:chExt cx="0" cy="0"/>
+        </a:xfrm>
+      </p:grpSpPr>
+      <p:sp>
+        <p:nvSpPr>
+          <p:cNvPr id="2" name="Title 1">
+            <a:extLst>
+              <a:ext uri="{FF2B5EF4-FFF2-40B4-BE49-F238E27FC236}">
+                <a16:creationId xmlns:a16="http://schemas.microsoft.com/office/drawing/2014/main" id="{2C36D093-C99B-4073-97E5-32081F0F49AB}"/>
+              </a:ext>
+            </a:extLst>
+          </p:cNvPr>
+          <p:cNvSpPr>
+            <a:spLocks noGrp="1"/>
+          </p:cNvSpPr>
+          <p:nvPr>
+            <p:ph type="title"/>
+          </p:nvPr>
+        </p:nvSpPr>
+        <p:spPr/>
+        <p:txBody>
+          <a:bodyPr/>
+          <a:lstStyle/>
+          <a:p>
+            <a:r>
+              <a:rPr lang="en-GB" b="1" dirty="0"/>
+              <a:t>Further work</a:t>
+            </a:r>
+          </a:p>
+        </p:txBody>
+      </p:sp>
+      <p:sp>
+        <p:nvSpPr>
+          <p:cNvPr id="3" name="Content Placeholder 2">
+            <a:extLst>
+              <a:ext uri="{FF2B5EF4-FFF2-40B4-BE49-F238E27FC236}">
+                <a16:creationId xmlns:a16="http://schemas.microsoft.com/office/drawing/2014/main" id="{FE9FBCA3-2EAA-4ADC-8414-6C211FD97B11}"/>
+              </a:ext>
+            </a:extLst>
+          </p:cNvPr>
+          <p:cNvSpPr>
+            <a:spLocks noGrp="1"/>
+          </p:cNvSpPr>
+          <p:nvPr>
+            <p:ph idx="1"/>
+          </p:nvPr>
+        </p:nvSpPr>
+        <p:spPr>
+          <a:xfrm>
+            <a:off x="1097280" y="1845734"/>
+            <a:ext cx="10058400" cy="4253730"/>
+          </a:xfrm>
+        </p:spPr>
+        <p:txBody>
+          <a:bodyPr>
+            <a:noAutofit/>
+          </a:bodyPr>
+          <a:lstStyle/>
+          <a:p>
+            <a:pPr marL="201168" lvl="1" indent="0">
+              <a:buNone/>
+            </a:pPr>
+            <a:r>
+              <a:rPr lang="en-GB" sz="2000" dirty="0">
+                <a:latin typeface="Calibri (Body)"/>
+              </a:rPr>
+              <a:t>  </a:t>
+            </a:r>
+          </a:p>
+          <a:p>
+            <a:pPr marL="201168" lvl="1" indent="0">
+              <a:buNone/>
+            </a:pPr>
+            <a:endParaRPr lang="en-GB" sz="2000" dirty="0">
+              <a:latin typeface="Calibri (Body)"/>
+            </a:endParaRPr>
+          </a:p>
+          <a:p>
+            <a:pPr lvl="1">
+              <a:buFont typeface="Wingdings" panose="05000000000000000000" pitchFamily="2" charset="2"/>
+              <a:buChar char="Ø"/>
+            </a:pPr>
+            <a:r>
+              <a:rPr lang="en-GB" sz="2000" dirty="0">
+                <a:latin typeface="Calibri (Body)"/>
+              </a:rPr>
+              <a:t>  </a:t>
+            </a:r>
+            <a:r>
+              <a:rPr lang="en-US" altLang="zh-CN" sz="2000" dirty="0">
+                <a:latin typeface="Calibri (Body)"/>
+              </a:rPr>
+              <a:t>Try more transformations of model to find a better model</a:t>
+            </a:r>
+            <a:r>
+              <a:rPr lang="en-GB" sz="2000" dirty="0">
+                <a:latin typeface="Calibri (Body)"/>
+              </a:rPr>
+              <a:t>. </a:t>
+            </a:r>
+          </a:p>
+          <a:p>
+            <a:pPr marL="201168" lvl="1" indent="0">
+              <a:buNone/>
+            </a:pPr>
+            <a:endParaRPr lang="en-GB" sz="2000" b="1" u="sng" dirty="0">
+              <a:latin typeface="Calibri (Body)"/>
+            </a:endParaRPr>
+          </a:p>
+          <a:p>
+            <a:pPr lvl="1">
+              <a:buFont typeface="Wingdings" panose="05000000000000000000" pitchFamily="2" charset="2"/>
+              <a:buChar char="Ø"/>
+            </a:pPr>
+            <a:r>
+              <a:rPr lang="en-GB" sz="2000" dirty="0">
+                <a:latin typeface="Calibri (Body)"/>
+              </a:rPr>
+              <a:t>  Optimize the parameters of the SITAR model to make the curve better.</a:t>
+            </a:r>
+          </a:p>
+          <a:p>
+            <a:pPr marL="201168" lvl="1" indent="0">
+              <a:buNone/>
+            </a:pPr>
+            <a:endParaRPr lang="en-GB" sz="2000" dirty="0">
+              <a:latin typeface="Calibri (Body)"/>
+            </a:endParaRPr>
+          </a:p>
+          <a:p>
+            <a:pPr lvl="1">
+              <a:buFont typeface="Wingdings" panose="05000000000000000000" pitchFamily="2" charset="2"/>
+              <a:buChar char="Ø"/>
+            </a:pPr>
+            <a:r>
+              <a:rPr lang="en-GB" sz="2000" dirty="0">
+                <a:latin typeface="Calibri (Body)"/>
+              </a:rPr>
+              <a:t>  Analyse the fixed and random effects how to effect the model.</a:t>
+            </a:r>
+          </a:p>
+        </p:txBody>
+      </p:sp>
+    </p:spTree>
+    <p:extLst>
+      <p:ext uri="{BB962C8B-B14F-4D97-AF65-F5344CB8AC3E}">
+        <p14:creationId xmlns:p14="http://schemas.microsoft.com/office/powerpoint/2010/main" val="3200488926"/>
+      </p:ext>
+    </p:extLst>
+  </p:cSld>
+  <p:clrMapOvr>
+    <a:masterClrMapping/>
+  </p:clrMapOvr>
+  <mc:AlternateContent xmlns:mc="http://schemas.openxmlformats.org/markup-compatibility/2006" xmlns:p14="http://schemas.microsoft.com/office/powerpoint/2010/main">
+    <mc:Choice Requires="p14">
+      <p:transition spd="slow" p14:dur="2000" advTm="22425"/>
+    </mc:Choice>
+    <mc:Fallback xmlns="">
+      <p:transition spd="slow" advTm="22425"/>
+    </mc:Fallback>
+  </mc:AlternateContent>
+</p:sld>
+</file>
+
+<file path=ppt/slides/slide14.xml><?xml version="1.0" encoding="utf-8"?>
+<p:sld xmlns:a="http://schemas.openxmlformats.org/drawingml/2006/main" xmlns:r="http://schemas.openxmlformats.org/officeDocument/2006/relationships" xmlns:p="http://schemas.openxmlformats.org/presentationml/2006/main">
+  <p:cSld>
+    <p:spTree>
+      <p:nvGrpSpPr>
+        <p:cNvPr id="1" name=""/>
+        <p:cNvGrpSpPr/>
+        <p:nvPr/>
+      </p:nvGrpSpPr>
+      <p:grpSpPr>
+        <a:xfrm>
+          <a:off x="0" y="0"/>
+          <a:ext cx="0" cy="0"/>
+          <a:chOff x="0" y="0"/>
+          <a:chExt cx="0" cy="0"/>
+        </a:xfrm>
+      </p:grpSpPr>
+      <p:sp>
+        <p:nvSpPr>
+          <p:cNvPr id="2" name="Title 1"/>
+          <p:cNvSpPr>
+            <a:spLocks noGrp="1"/>
+          </p:cNvSpPr>
+          <p:nvPr>
+            <p:ph type="title"/>
+          </p:nvPr>
+        </p:nvSpPr>
+        <p:spPr>
+          <a:xfrm>
+            <a:off x="830317" y="2025951"/>
+            <a:ext cx="10301509" cy="538345"/>
+          </a:xfrm>
+        </p:spPr>
+        <p:txBody>
+          <a:bodyPr>
+            <a:noAutofit/>
+          </a:bodyPr>
+          <a:lstStyle/>
+          <a:p>
+            <a:pPr algn="ctr"/>
+            <a:r>
+              <a:rPr lang="en-US" sz="3200" b="1" dirty="0">
+                <a:latin typeface="+mn-lt"/>
+              </a:rPr>
+              <a:t>Thank you for listening</a:t>
+            </a:r>
+          </a:p>
+        </p:txBody>
+      </p:sp>
+      <p:pic>
+        <p:nvPicPr>
+          <p:cNvPr id="5" name="Picture 6" descr="Maynooth University"/>
+          <p:cNvPicPr>
+            <a:picLocks noChangeAspect="1" noChangeArrowheads="1"/>
+          </p:cNvPicPr>
+          <p:nvPr/>
+        </p:nvPicPr>
+        <p:blipFill>
+          <a:blip r:embed="rId2">
+            <a:extLst>
+              <a:ext uri="{28A0092B-C50C-407E-A947-70E740481C1C}">
+                <a14:useLocalDpi xmlns:a14="http://schemas.microsoft.com/office/drawing/2010/main" val="0"/>
+              </a:ext>
+            </a:extLst>
+          </a:blip>
+          <a:srcRect/>
+          <a:stretch>
+            <a:fillRect/>
+          </a:stretch>
+        </p:blipFill>
+        <p:spPr bwMode="auto">
+          <a:xfrm>
+            <a:off x="10287000" y="5549569"/>
+            <a:ext cx="1689652" cy="672327"/>
+          </a:xfrm>
+          <a:prstGeom prst="rect">
+            <a:avLst/>
+          </a:prstGeom>
+          <a:noFill/>
+          <a:extLst>
+            <a:ext uri="{909E8E84-426E-40DD-AFC4-6F175D3DCCD1}">
+              <a14:hiddenFill xmlns:a14="http://schemas.microsoft.com/office/drawing/2010/main">
+                <a:solidFill>
+                  <a:srgbClr val="FFFFFF"/>
+                </a:solidFill>
+              </a14:hiddenFill>
+            </a:ext>
+          </a:extLst>
+        </p:spPr>
+      </p:pic>
+      <p:cxnSp>
+        <p:nvCxnSpPr>
+          <p:cNvPr id="6" name="Straight Connector 5"/>
+          <p:cNvCxnSpPr/>
+          <p:nvPr/>
+        </p:nvCxnSpPr>
+        <p:spPr>
+          <a:xfrm>
+            <a:off x="1262270" y="2812774"/>
+            <a:ext cx="9959008" cy="0"/>
+          </a:xfrm>
+          <a:prstGeom prst="line">
+            <a:avLst/>
+          </a:prstGeom>
+        </p:spPr>
+        <p:style>
+          <a:lnRef idx="1">
+            <a:schemeClr val="accent1"/>
+          </a:lnRef>
+          <a:fillRef idx="0">
+            <a:schemeClr val="accent1"/>
+          </a:fillRef>
+          <a:effectRef idx="0">
+            <a:schemeClr val="accent1"/>
+          </a:effectRef>
+          <a:fontRef idx="minor">
+            <a:schemeClr val="tx1"/>
+          </a:fontRef>
+        </p:style>
+      </p:cxnSp>
+      <p:cxnSp>
+        <p:nvCxnSpPr>
+          <p:cNvPr id="9" name="Straight Connector 8"/>
+          <p:cNvCxnSpPr/>
+          <p:nvPr/>
+        </p:nvCxnSpPr>
+        <p:spPr>
+          <a:xfrm>
+            <a:off x="1172818" y="1742661"/>
+            <a:ext cx="9959008" cy="0"/>
+          </a:xfrm>
+          <a:prstGeom prst="line">
+            <a:avLst/>
+          </a:prstGeom>
+        </p:spPr>
+        <p:style>
+          <a:lnRef idx="1">
+            <a:schemeClr val="accent1"/>
+          </a:lnRef>
+          <a:fillRef idx="0">
+            <a:schemeClr val="accent1"/>
+          </a:fillRef>
+          <a:effectRef idx="0">
+            <a:schemeClr val="accent1"/>
+          </a:effectRef>
+          <a:fontRef idx="minor">
+            <a:schemeClr val="tx1"/>
+          </a:fontRef>
+        </p:style>
+      </p:cxnSp>
+      <p:sp>
+        <p:nvSpPr>
+          <p:cNvPr id="3" name="TextBox 2">
+            <a:extLst>
+              <a:ext uri="{FF2B5EF4-FFF2-40B4-BE49-F238E27FC236}">
+                <a16:creationId xmlns:a16="http://schemas.microsoft.com/office/drawing/2014/main" id="{883EC139-FD8B-48D3-B02F-327315A6CFFF}"/>
+              </a:ext>
+            </a:extLst>
+          </p:cNvPr>
+          <p:cNvSpPr txBox="1"/>
+          <p:nvPr/>
+        </p:nvSpPr>
+        <p:spPr>
+          <a:xfrm>
+            <a:off x="7970129" y="4285427"/>
+            <a:ext cx="4006523" cy="1015663"/>
+          </a:xfrm>
+          <a:prstGeom prst="rect">
+            <a:avLst/>
+          </a:prstGeom>
+          <a:noFill/>
+        </p:spPr>
+        <p:txBody>
+          <a:bodyPr wrap="square" rtlCol="0">
+            <a:spAutoFit/>
+          </a:bodyPr>
+          <a:lstStyle/>
+          <a:p>
+            <a:r>
+              <a:rPr lang="en-GB" sz="2000" dirty="0">
+                <a:latin typeface="Segoe UI" panose="020B0502040204020203" pitchFamily="34" charset="0"/>
+              </a:rPr>
+              <a:t>S</a:t>
+            </a:r>
+            <a:r>
+              <a:rPr lang="en-GB" sz="2000" b="0" i="0" dirty="0">
+                <a:effectLst/>
+                <a:latin typeface="Segoe UI" panose="020B0502040204020203" pitchFamily="34" charset="0"/>
+              </a:rPr>
+              <a:t>upervisor:  Catherine Hurley</a:t>
+            </a:r>
+          </a:p>
+          <a:p>
+            <a:r>
+              <a:rPr lang="en-GB" sz="2000" dirty="0"/>
+              <a:t>          Name:   YANG WANG</a:t>
+            </a:r>
+          </a:p>
+          <a:p>
+            <a:r>
+              <a:rPr lang="en-GB" sz="2000" dirty="0"/>
+              <a:t>            Date:   26</a:t>
+            </a:r>
+            <a:r>
+              <a:rPr lang="en-GB" sz="2000" baseline="30000" dirty="0"/>
+              <a:t>th</a:t>
+            </a:r>
+            <a:r>
+              <a:rPr lang="en-GB" sz="2000" dirty="0"/>
+              <a:t> June 2020</a:t>
+            </a:r>
+          </a:p>
+        </p:txBody>
+      </p:sp>
+    </p:spTree>
+    <p:extLst>
+      <p:ext uri="{BB962C8B-B14F-4D97-AF65-F5344CB8AC3E}">
+        <p14:creationId xmlns:p14="http://schemas.microsoft.com/office/powerpoint/2010/main" val="2268152457"/>
+      </p:ext>
+    </p:extLst>
+  </p:cSld>
+  <p:clrMapOvr>
+    <a:masterClrMapping/>
+  </p:clrMapOvr>
+  <mc:AlternateContent xmlns:mc="http://schemas.openxmlformats.org/markup-compatibility/2006" xmlns:p15="http://schemas.microsoft.com/office/powerpoint/2012/main">
+    <mc:Choice Requires="p15">
+      <p:transition xmlns:p14="http://schemas.microsoft.com/office/powerpoint/2010/main" spd="slow" p14:dur="1250" advTm="4124">
+        <p15:prstTrans prst="pageCurlDouble"/>
+      </p:transition>
+    </mc:Choice>
+    <mc:Fallback xmlns="">
+      <p:transition spd="slow" advTm="4124">
+        <p:fade/>
+      </p:transition>
     </mc:Fallback>
   </mc:AlternateContent>
 </p:sld>
@@ -5294,7 +6136,7 @@
               <a:rPr lang="en-GB" dirty="0">
                 <a:latin typeface="Calibri (Body)"/>
               </a:rPr>
-              <a:t>      It is widely used in biology for quantities such as </a:t>
+              <a:t>       It is widely used in biology for quantities such as </a:t>
             </a:r>
             <a:r>
               <a:rPr lang="en-GB" b="0" i="0" dirty="0">
@@ -5350,7 +6192,7 @@
               <a:rPr lang="en-GB" dirty="0">
                 <a:latin typeface="Calibri (Body)"/>
               </a:rPr>
-              <a:t>A statistical issue in life course. Height in puberty involves a growth spurt, </a:t>
+              <a:t>A statistical issue in life course. Height involves a growth spurt, </a:t>
             </a:r>
           </a:p>
           <a:p>
@@ -5361,7 +6203,7 @@
               <a:rPr lang="en-GB" dirty="0">
                 <a:latin typeface="Calibri (Body)"/>
               </a:rPr>
-              <a:t>      the timing and intensity of which varies between individuals.</a:t>
+              <a:t>       the timing and intensity of which varies between individuals.</a:t>
             </a:r>
           </a:p>
           <a:p>
@@ -5415,7 +6257,7 @@
               <a:rPr lang="en-GB" dirty="0">
                 <a:latin typeface="Calibri (Body)"/>
               </a:rPr>
-              <a:t>      whether or not their children follow a normal growth pattern. </a:t>
+              <a:t>       whether or not their children follow a normal growth pattern. </a:t>
             </a:r>
           </a:p>
           <a:p>
@@ -5426,7 +6268,7 @@
               <a:rPr lang="en-GB" dirty="0">
                 <a:latin typeface="Calibri (Body)"/>
               </a:rPr>
-              <a:t>      Following a normal growth pattern is a good indicator of a child’s overall good health.</a:t>
+              <a:t>       Following a normal growth pattern is a good indicator of a child’s overall good health.</a:t>
             </a:r>
           </a:p>
           <a:p>
@@ -5497,12 +6339,12 @@
   <p:clrMapOvr>
     <a:masterClrMapping/>
   </p:clrMapOvr>
-  <mc:AlternateContent xmlns:mc="http://schemas.openxmlformats.org/markup-compatibility/2006">
-    <mc:Choice xmlns:p14="http://schemas.microsoft.com/office/powerpoint/2010/main" Requires="p14">
-      <p:transition spd="slow" p14:dur="2000" advTm="57707"/>
+  <mc:AlternateContent xmlns:mc="http://schemas.openxmlformats.org/markup-compatibility/2006" xmlns:p14="http://schemas.microsoft.com/office/powerpoint/2010/main">
+    <mc:Choice Requires="p14">
+      <p:transition spd="slow" p14:dur="2000" advTm="50274"/>
     </mc:Choice>
-    <mc:Fallback>
-      <p:transition spd="slow" advTm="57707"/>
+    <mc:Fallback xmlns="">
+      <p:transition spd="slow" advTm="50274"/>
     </mc:Fallback>
   </mc:AlternateContent>
 </p:sld>
@@ -5927,12 +6769,12 @@
   <p:clrMapOvr>
     <a:masterClrMapping/>
   </p:clrMapOvr>
-  <mc:AlternateContent xmlns:mc="http://schemas.openxmlformats.org/markup-compatibility/2006">
-    <mc:Choice xmlns:p14="http://schemas.microsoft.com/office/powerpoint/2010/main" Requires="p14">
-      <p:transition spd="slow" p14:dur="2000" advTm="40870"/>
+  <mc:AlternateContent xmlns:mc="http://schemas.openxmlformats.org/markup-compatibility/2006" xmlns:p14="http://schemas.microsoft.com/office/powerpoint/2010/main">
+    <mc:Choice Requires="p14">
+      <p:transition spd="slow" p14:dur="2000" advTm="69649"/>
     </mc:Choice>
-    <mc:Fallback>
-      <p:transition spd="slow" advTm="40870"/>
+    <mc:Fallback xmlns="">
+      <p:transition spd="slow" advTm="69649"/>
     </mc:Fallback>
   </mc:AlternateContent>
 </p:sld>
@@ -6161,7 +7003,13 @@
               <a:rPr lang="en-GB" dirty="0">
                 <a:latin typeface="Calibri (Body)"/>
               </a:rPr>
-              <a:t>       between 2007 and 2018 (6-18 year-old), and have the complete </a:t>
+              <a:t>       between 2007 and 2018 (6-18 year-old), and </a:t>
+            </a:r>
+            <a:r>
+              <a:rPr lang="en-GB" b="1" u="sng" dirty="0">
+                <a:latin typeface="Calibri (Body)"/>
+              </a:rPr>
+              <a:t>have the complete </a:t>
             </a:r>
           </a:p>
           <a:p>
@@ -6169,10 +7017,22 @@
               <a:buNone/>
             </a:pPr>
             <a:r>
+              <a:rPr lang="en-GB" b="1" dirty="0">
+                <a:latin typeface="Calibri (Body)"/>
+              </a:rPr>
+              <a:t>       </a:t>
+            </a:r>
+            <a:r>
+              <a:rPr lang="en-GB" b="1" u="sng" dirty="0">
+                <a:latin typeface="Calibri (Body)"/>
+              </a:rPr>
+              <a:t>set of 22 observations</a:t>
+            </a:r>
+            <a:r>
               <a:rPr lang="en-GB" dirty="0">
                 <a:latin typeface="Calibri (Body)"/>
               </a:rPr>
-              <a:t>       set of 22 observations between the ages of 6 and 18 years.</a:t>
+              <a:t> between the ages of 6 and 18 years.</a:t>
             </a:r>
           </a:p>
         </p:txBody>
@@ -6187,12 +7047,12 @@
   <p:clrMapOvr>
     <a:masterClrMapping/>
   </p:clrMapOvr>
-  <mc:AlternateContent xmlns:mc="http://schemas.openxmlformats.org/markup-compatibility/2006">
-    <mc:Choice xmlns:p14="http://schemas.microsoft.com/office/powerpoint/2010/main" Requires="p14">
-      <p:transition spd="slow" p14:dur="2000" advTm="67742"/>
+  <mc:AlternateContent xmlns:mc="http://schemas.openxmlformats.org/markup-compatibility/2006" xmlns:p14="http://schemas.microsoft.com/office/powerpoint/2010/main">
+    <mc:Choice Requires="p14">
+      <p:transition spd="slow" p14:dur="2000" advTm="59153"/>
     </mc:Choice>
-    <mc:Fallback>
-      <p:transition spd="slow" advTm="67742"/>
+    <mc:Fallback xmlns="">
+      <p:transition spd="slow" advTm="59153"/>
     </mc:Fallback>
   </mc:AlternateContent>
 </p:sld>
@@ -6237,10 +7097,9 @@
           <a:lstStyle/>
           <a:p>
             <a:r>
-              <a:rPr lang="en-GB" b="1"/>
+              <a:rPr lang="en-GB" b="1" dirty="0"/>
               <a:t>The first Dataset (Boys)</a:t>
             </a:r>
-            <a:endParaRPr lang="en-GB" b="1" dirty="0"/>
           </a:p>
         </p:txBody>
       </p:sp>
@@ -6424,12 +7283,12 @@
   <p:clrMapOvr>
     <a:masterClrMapping/>
   </p:clrMapOvr>
-  <mc:AlternateContent xmlns:mc="http://schemas.openxmlformats.org/markup-compatibility/2006">
-    <mc:Choice xmlns:p14="http://schemas.microsoft.com/office/powerpoint/2010/main" Requires="p14">
-      <p:transition spd="slow" p14:dur="2000" advTm="23657"/>
+  <mc:AlternateContent xmlns:mc="http://schemas.openxmlformats.org/markup-compatibility/2006" xmlns:p14="http://schemas.microsoft.com/office/powerpoint/2010/main">
+    <mc:Choice Requires="p14">
+      <p:transition spd="slow" p14:dur="2000" advTm="20028"/>
     </mc:Choice>
-    <mc:Fallback>
-      <p:transition spd="slow" advTm="23657"/>
+    <mc:Fallback xmlns="">
+      <p:transition spd="slow" advTm="20028"/>
     </mc:Fallback>
   </mc:AlternateContent>
 </p:sld>
@@ -6666,12 +7525,12 @@
   <p:clrMapOvr>
     <a:masterClrMapping/>
   </p:clrMapOvr>
-  <mc:AlternateContent xmlns:mc="http://schemas.openxmlformats.org/markup-compatibility/2006">
-    <mc:Choice xmlns:p14="http://schemas.microsoft.com/office/powerpoint/2010/main" Requires="p14">
-      <p:transition spd="slow" p14:dur="2000" advTm="27583"/>
+  <mc:AlternateContent xmlns:mc="http://schemas.openxmlformats.org/markup-compatibility/2006" xmlns:p14="http://schemas.microsoft.com/office/powerpoint/2010/main">
+    <mc:Choice Requires="p14">
+      <p:transition spd="slow" p14:dur="2000" advTm="25966"/>
     </mc:Choice>
-    <mc:Fallback>
-      <p:transition spd="slow" advTm="27583"/>
+    <mc:Fallback xmlns="">
+      <p:transition spd="slow" advTm="25966"/>
     </mc:Fallback>
   </mc:AlternateContent>
 </p:sld>
@@ -7052,12 +7911,12 @@
   <p:clrMapOvr>
     <a:masterClrMapping/>
   </p:clrMapOvr>
-  <mc:AlternateContent xmlns:mc="http://schemas.openxmlformats.org/markup-compatibility/2006">
-    <mc:Choice xmlns:p14="http://schemas.microsoft.com/office/powerpoint/2010/main" Requires="p14">
-      <p:transition spd="slow" p14:dur="2000" advTm="63782"/>
+  <mc:AlternateContent xmlns:mc="http://schemas.openxmlformats.org/markup-compatibility/2006" xmlns:p14="http://schemas.microsoft.com/office/powerpoint/2010/main">
+    <mc:Choice Requires="p14">
+      <p:transition spd="slow" p14:dur="2000" advTm="63559"/>
     </mc:Choice>
-    <mc:Fallback>
-      <p:transition spd="slow" advTm="63782"/>
+    <mc:Fallback xmlns="">
+      <p:transition spd="slow" advTm="63559"/>
     </mc:Fallback>
   </mc:AlternateContent>
 </p:sld>
@@ -7440,12 +8299,12 @@
   <p:clrMapOvr>
     <a:masterClrMapping/>
   </p:clrMapOvr>
-  <mc:AlternateContent xmlns:mc="http://schemas.openxmlformats.org/markup-compatibility/2006">
-    <mc:Choice xmlns:p14="http://schemas.microsoft.com/office/powerpoint/2010/main" Requires="p14">
-      <p:transition spd="slow" p14:dur="2000" advTm="63140"/>
+  <mc:AlternateContent xmlns:mc="http://schemas.openxmlformats.org/markup-compatibility/2006" xmlns:p14="http://schemas.microsoft.com/office/powerpoint/2010/main">
+    <mc:Choice Requires="p14">
+      <p:transition spd="slow" p14:dur="2000" advTm="36022"/>
     </mc:Choice>
-    <mc:Fallback>
-      <p:transition spd="slow" advTm="63140"/>
+    <mc:Fallback xmlns="">
+      <p:transition spd="slow" advTm="36022"/>
     </mc:Fallback>
   </mc:AlternateContent>
 </p:sld>
@@ -7486,14 +8345,12 @@
         </p:nvSpPr>
         <p:spPr/>
         <p:txBody>
-          <a:bodyPr>
-            <a:normAutofit/>
-          </a:bodyPr>
+          <a:bodyPr/>
           <a:lstStyle/>
           <a:p>
             <a:r>
               <a:rPr lang="en-GB" b="1" dirty="0"/>
-              <a:t>Compare the growth rate by gender</a:t>
+              <a:t>The second Dataset (Girl)</a:t>
             </a:r>
           </a:p>
         </p:txBody>
@@ -7529,6 +8386,51 @@
             <a:pPr marL="201168" lvl="1" indent="0">
               <a:buNone/>
             </a:pPr>
+            <a:r>
+              <a:rPr lang="en-GB" sz="2000" dirty="0">
+                <a:latin typeface="Calibri (Body)"/>
+              </a:rPr>
+              <a:t> </a:t>
+            </a:r>
+          </a:p>
+          <a:p>
+            <a:pPr lvl="1">
+              <a:buFont typeface="Wingdings" panose="05000000000000000000" pitchFamily="2" charset="2"/>
+              <a:buChar char="Ø"/>
+            </a:pPr>
+            <a:r>
+              <a:rPr lang="en-GB" sz="2000" dirty="0">
+                <a:latin typeface="Calibri (Body)"/>
+              </a:rPr>
+              <a:t> Did the same research with the girl dataset and got a growth curve for girls.</a:t>
+            </a:r>
+          </a:p>
+          <a:p>
+            <a:pPr lvl="1">
+              <a:buFont typeface="Wingdings" panose="05000000000000000000" pitchFamily="2" charset="2"/>
+              <a:buChar char="Ø"/>
+            </a:pPr>
+            <a:endParaRPr lang="en-GB" sz="2000" dirty="0">
+              <a:latin typeface="Calibri (Body)"/>
+            </a:endParaRPr>
+          </a:p>
+          <a:p>
+            <a:pPr lvl="1">
+              <a:buFont typeface="Wingdings" panose="05000000000000000000" pitchFamily="2" charset="2"/>
+              <a:buChar char="Ø"/>
+            </a:pPr>
+            <a:r>
+              <a:rPr lang="en-GB" sz="2000" dirty="0">
+                <a:latin typeface="Calibri (Body)"/>
+              </a:rPr>
+              <a:t> Because the time limited, I will skip the part.</a:t>
+            </a:r>
+          </a:p>
+          <a:p>
+            <a:pPr lvl="1">
+              <a:buFont typeface="Wingdings" panose="05000000000000000000" pitchFamily="2" charset="2"/>
+              <a:buChar char="Ø"/>
+            </a:pPr>
             <a:endParaRPr lang="en-GB" sz="2000" b="1" u="sng" dirty="0">
               <a:latin typeface="Calibri (Body)"/>
             </a:endParaRPr>
@@ -7570,9 +8472,8 @@
             </a:endParaRPr>
           </a:p>
           <a:p>
-            <a:pPr lvl="1">
-              <a:buFont typeface="Wingdings" panose="05000000000000000000" pitchFamily="2" charset="2"/>
-              <a:buChar char="Ø"/>
+            <a:pPr marL="201168" lvl="1" indent="0">
+              <a:buNone/>
             </a:pPr>
             <a:endParaRPr lang="en-GB" sz="2000" b="1" u="sng" dirty="0">
               <a:latin typeface="Calibri (Body)"/>
@@ -7582,14 +8483,6 @@
             <a:pPr marL="201168" lvl="1" indent="0">
               <a:buNone/>
             </a:pPr>
-            <a:endParaRPr lang="en-GB" sz="2000" b="1" u="sng" dirty="0">
-              <a:latin typeface="Calibri (Body)"/>
-            </a:endParaRPr>
-          </a:p>
-          <a:p>
-            <a:pPr marL="201168" lvl="1" indent="0">
-              <a:buNone/>
-            </a:pPr>
             <a:r>
               <a:rPr lang="en-GB" sz="2000" dirty="0">
                 <a:latin typeface="Calibri (Body)"/>
@@ -7602,49 +8495,17 @@
           </a:p>
         </p:txBody>
       </p:sp>
-      <p:sp>
-        <p:nvSpPr>
-          <p:cNvPr id="9" name="TextBox 8">
+      <p:pic>
+        <p:nvPicPr>
+          <p:cNvPr id="5" name="Picture 4">
             <a:extLst>
               <a:ext uri="{FF2B5EF4-FFF2-40B4-BE49-F238E27FC236}">
-                <a16:creationId xmlns:a16="http://schemas.microsoft.com/office/drawing/2014/main" id="{DC655D1F-3B90-4641-B8D7-668AEDCD5E08}"/>
-              </a:ext>
-            </a:extLst>
-          </p:cNvPr>
-          <p:cNvSpPr txBox="1"/>
-          <p:nvPr/>
-        </p:nvSpPr>
-        <p:spPr>
-          <a:xfrm>
-            <a:off x="1036320" y="5584341"/>
-            <a:ext cx="184731" cy="338554"/>
-          </a:xfrm>
-          <a:prstGeom prst="rect">
-            <a:avLst/>
-          </a:prstGeom>
-          <a:noFill/>
-        </p:spPr>
-        <p:txBody>
-          <a:bodyPr wrap="none" rtlCol="0">
-            <a:spAutoFit/>
-          </a:bodyPr>
-          <a:lstStyle/>
-          <a:p>
-            <a:endParaRPr lang="en-GB" sz="1600" dirty="0"/>
-          </a:p>
-        </p:txBody>
-      </p:sp>
-      <p:pic>
-        <p:nvPicPr>
-          <p:cNvPr id="3074" name="Picture 2">
-            <a:extLst>
-              <a:ext uri="{FF2B5EF4-FFF2-40B4-BE49-F238E27FC236}">
-                <a16:creationId xmlns:a16="http://schemas.microsoft.com/office/drawing/2014/main" id="{C1F6BAD3-DDC2-4C3A-983E-B3C8D2F13346}"/>
+                <a16:creationId xmlns:a16="http://schemas.microsoft.com/office/drawing/2014/main" id="{2D26D92A-63EB-4BD7-8132-A93899C001B6}"/>
               </a:ext>
             </a:extLst>
           </p:cNvPr>
           <p:cNvPicPr>
-            <a:picLocks noChangeAspect="1" noChangeArrowheads="1"/>
+            <a:picLocks noChangeAspect="1"/>
           </p:cNvPicPr>
           <p:nvPr/>
         </p:nvPicPr>
@@ -7656,202 +8517,144 @@
               </a:ext>
             </a:extLst>
           </a:blip>
-          <a:srcRect/>
           <a:stretch>
             <a:fillRect/>
           </a:stretch>
         </p:blipFill>
-        <p:spPr bwMode="auto">
-          <a:xfrm>
-            <a:off x="552001" y="1793618"/>
-            <a:ext cx="5543999" cy="3960000"/>
+        <p:spPr>
+          <a:xfrm>
+            <a:off x="884889" y="4299464"/>
+            <a:ext cx="2520001" cy="1800000"/>
           </a:xfrm>
           <a:prstGeom prst="rect">
             <a:avLst/>
           </a:prstGeom>
-          <a:noFill/>
-          <a:extLst>
-            <a:ext uri="{909E8E84-426E-40DD-AFC4-6F175D3DCCD1}">
-              <a14:hiddenFill xmlns:a14="http://schemas.microsoft.com/office/drawing/2010/main">
-                <a:solidFill>
-                  <a:srgbClr val="FFFFFF"/>
-                </a:solidFill>
-              </a14:hiddenFill>
-            </a:ext>
-          </a:extLst>
         </p:spPr>
       </p:pic>
-      <p:sp>
-        <p:nvSpPr>
-          <p:cNvPr id="4" name="TextBox 3">
+      <p:pic>
+        <p:nvPicPr>
+          <p:cNvPr id="8" name="Picture 7">
             <a:extLst>
               <a:ext uri="{FF2B5EF4-FFF2-40B4-BE49-F238E27FC236}">
-                <a16:creationId xmlns:a16="http://schemas.microsoft.com/office/drawing/2014/main" id="{387A5423-BFDA-4ACB-ACF9-6F14F3858DDB}"/>
+                <a16:creationId xmlns:a16="http://schemas.microsoft.com/office/drawing/2014/main" id="{9E10CD40-E600-463A-8277-9E6D8DE1286D}"/>
               </a:ext>
             </a:extLst>
           </p:cNvPr>
-          <p:cNvSpPr txBox="1"/>
+          <p:cNvPicPr>
+            <a:picLocks noChangeAspect="1"/>
+          </p:cNvPicPr>
           <p:nvPr/>
-        </p:nvSpPr>
+        </p:nvPicPr>
+        <p:blipFill>
+          <a:blip r:embed="rId3" cstate="print">
+            <a:extLst>
+              <a:ext uri="{28A0092B-C50C-407E-A947-70E740481C1C}">
+                <a14:useLocalDpi xmlns:a14="http://schemas.microsoft.com/office/drawing/2010/main" val="0"/>
+              </a:ext>
+            </a:extLst>
+          </a:blip>
+          <a:stretch>
+            <a:fillRect/>
+          </a:stretch>
+        </p:blipFill>
         <p:spPr>
           <a:xfrm>
-            <a:off x="6126480" y="2394403"/>
-            <a:ext cx="5132208" cy="2585323"/>
+            <a:off x="3438821" y="4299464"/>
+            <a:ext cx="2520000" cy="1800000"/>
           </a:xfrm>
           <a:prstGeom prst="rect">
             <a:avLst/>
           </a:prstGeom>
-          <a:noFill/>
-        </p:spPr>
-        <p:txBody>
-          <a:bodyPr wrap="square" rtlCol="0">
-            <a:spAutoFit/>
-          </a:bodyPr>
-          <a:lstStyle/>
-          <a:p>
-            <a:pPr marL="285750" indent="-285750" algn="l">
-              <a:buFont typeface="Wingdings" panose="05000000000000000000" pitchFamily="2" charset="2"/>
-              <a:buChar char="q"/>
-            </a:pPr>
-            <a:r>
-              <a:rPr lang="en-GB" b="0" i="0" dirty="0">
-                <a:solidFill>
-                  <a:srgbClr val="333333"/>
-                </a:solidFill>
-                <a:effectLst/>
-                <a:latin typeface="Helvetica Neue"/>
-              </a:rPr>
-              <a:t> 6-10 year-old: </a:t>
-            </a:r>
-          </a:p>
-          <a:p>
-            <a:pPr algn="l"/>
-            <a:r>
-              <a:rPr lang="en-GB" dirty="0">
-                <a:solidFill>
-                  <a:srgbClr val="333333"/>
-                </a:solidFill>
-                <a:latin typeface="Helvetica Neue"/>
-              </a:rPr>
-              <a:t>      </a:t>
-            </a:r>
-            <a:r>
-              <a:rPr lang="en-GB" b="0" i="0" dirty="0">
-                <a:solidFill>
-                  <a:srgbClr val="333333"/>
-                </a:solidFill>
-                <a:effectLst/>
-                <a:latin typeface="Helvetica Neue"/>
-              </a:rPr>
-              <a:t>Boys and Girls almost have the same rate.</a:t>
-            </a:r>
-          </a:p>
-          <a:p>
-            <a:pPr algn="l"/>
-            <a:endParaRPr lang="en-GB" b="0" i="0" dirty="0">
-              <a:solidFill>
-                <a:srgbClr val="333333"/>
-              </a:solidFill>
-              <a:effectLst/>
-              <a:latin typeface="Helvetica Neue"/>
-            </a:endParaRPr>
-          </a:p>
-          <a:p>
-            <a:pPr marL="285750" indent="-285750" algn="l">
-              <a:buFont typeface="Wingdings" panose="05000000000000000000" pitchFamily="2" charset="2"/>
-              <a:buChar char="q"/>
-            </a:pPr>
-            <a:r>
-              <a:rPr lang="en-GB" b="0" i="0" dirty="0">
-                <a:solidFill>
-                  <a:srgbClr val="333333"/>
-                </a:solidFill>
-                <a:effectLst/>
-                <a:latin typeface="Helvetica Neue"/>
-              </a:rPr>
-              <a:t>10~13.5 year-old: </a:t>
-            </a:r>
-          </a:p>
-          <a:p>
-            <a:r>
-              <a:rPr lang="en-GB" b="0" i="0" dirty="0">
-                <a:solidFill>
-                  <a:srgbClr val="333333"/>
-                </a:solidFill>
-                <a:effectLst/>
-                <a:latin typeface="Helvetica Neue"/>
-              </a:rPr>
-              <a:t>     Girls are a little higher than boys.</a:t>
-            </a:r>
-          </a:p>
-          <a:p>
-            <a:pPr algn="l"/>
-            <a:endParaRPr lang="en-GB" dirty="0">
-              <a:solidFill>
-                <a:srgbClr val="333333"/>
-              </a:solidFill>
-              <a:latin typeface="Helvetica Neue"/>
-            </a:endParaRPr>
-          </a:p>
-          <a:p>
-            <a:pPr marL="285750" indent="-285750" algn="l">
-              <a:buFont typeface="Wingdings" panose="05000000000000000000" pitchFamily="2" charset="2"/>
-              <a:buChar char="q"/>
-            </a:pPr>
-            <a:r>
-              <a:rPr lang="en-GB" b="0" i="0" dirty="0">
-                <a:solidFill>
-                  <a:srgbClr val="333333"/>
-                </a:solidFill>
-                <a:effectLst/>
-                <a:latin typeface="Helvetica Neue"/>
-              </a:rPr>
-              <a:t>13.6~18 year-old: </a:t>
-            </a:r>
-          </a:p>
-          <a:p>
-            <a:pPr algn="l"/>
-            <a:r>
-              <a:rPr lang="en-GB" dirty="0">
-                <a:solidFill>
-                  <a:srgbClr val="333333"/>
-                </a:solidFill>
-                <a:latin typeface="Helvetica Neue"/>
-              </a:rPr>
-              <a:t>     </a:t>
-            </a:r>
-            <a:r>
-              <a:rPr lang="en-GB" b="0" i="0" dirty="0">
-                <a:solidFill>
-                  <a:srgbClr val="333333"/>
-                </a:solidFill>
-                <a:effectLst/>
-                <a:latin typeface="Helvetica Neue"/>
-              </a:rPr>
-              <a:t>Boys are significant higher than Girls</a:t>
-            </a:r>
-          </a:p>
-          <a:p>
-            <a:endParaRPr lang="en-GB" dirty="0"/>
-          </a:p>
-        </p:txBody>
-      </p:sp>
+        </p:spPr>
+      </p:pic>
+      <p:pic>
+        <p:nvPicPr>
+          <p:cNvPr id="10" name="Picture 9">
+            <a:extLst>
+              <a:ext uri="{FF2B5EF4-FFF2-40B4-BE49-F238E27FC236}">
+                <a16:creationId xmlns:a16="http://schemas.microsoft.com/office/drawing/2014/main" id="{0BA5A826-CC6D-45E4-BF75-B979AC94D1BC}"/>
+              </a:ext>
+            </a:extLst>
+          </p:cNvPr>
+          <p:cNvPicPr>
+            <a:picLocks noChangeAspect="1"/>
+          </p:cNvPicPr>
+          <p:nvPr/>
+        </p:nvPicPr>
+        <p:blipFill>
+          <a:blip r:embed="rId4" cstate="print">
+            <a:extLst>
+              <a:ext uri="{28A0092B-C50C-407E-A947-70E740481C1C}">
+                <a14:useLocalDpi xmlns:a14="http://schemas.microsoft.com/office/drawing/2010/main" val="0"/>
+              </a:ext>
+            </a:extLst>
+          </a:blip>
+          <a:stretch>
+            <a:fillRect/>
+          </a:stretch>
+        </p:blipFill>
+        <p:spPr>
+          <a:xfrm>
+            <a:off x="8635680" y="4299464"/>
+            <a:ext cx="2520000" cy="1800000"/>
+          </a:xfrm>
+          <a:prstGeom prst="rect">
+            <a:avLst/>
+          </a:prstGeom>
+        </p:spPr>
+      </p:pic>
+      <p:pic>
+        <p:nvPicPr>
+          <p:cNvPr id="12" name="Picture 11">
+            <a:extLst>
+              <a:ext uri="{FF2B5EF4-FFF2-40B4-BE49-F238E27FC236}">
+                <a16:creationId xmlns:a16="http://schemas.microsoft.com/office/drawing/2014/main" id="{C7A17146-3C04-483D-9169-1ACDDA9B3630}"/>
+              </a:ext>
+            </a:extLst>
+          </p:cNvPr>
+          <p:cNvPicPr>
+            <a:picLocks noChangeAspect="1"/>
+          </p:cNvPicPr>
+          <p:nvPr/>
+        </p:nvPicPr>
+        <p:blipFill>
+          <a:blip r:embed="rId5" cstate="print">
+            <a:extLst>
+              <a:ext uri="{28A0092B-C50C-407E-A947-70E740481C1C}">
+                <a14:useLocalDpi xmlns:a14="http://schemas.microsoft.com/office/drawing/2010/main" val="0"/>
+              </a:ext>
+            </a:extLst>
+          </a:blip>
+          <a:stretch>
+            <a:fillRect/>
+          </a:stretch>
+        </p:blipFill>
+        <p:spPr>
+          <a:xfrm>
+            <a:off x="6011107" y="4299464"/>
+            <a:ext cx="2520000" cy="1800000"/>
+          </a:xfrm>
+          <a:prstGeom prst="rect">
+            <a:avLst/>
+          </a:prstGeom>
+        </p:spPr>
+      </p:pic>
     </p:spTree>
     <p:extLst>
       <p:ext uri="{BB962C8B-B14F-4D97-AF65-F5344CB8AC3E}">
-        <p14:creationId xmlns:p14="http://schemas.microsoft.com/office/powerpoint/2010/main" val="1557599358"/>
+        <p14:creationId xmlns:p14="http://schemas.microsoft.com/office/powerpoint/2010/main" val="2314078945"/>
       </p:ext>
     </p:extLst>
   </p:cSld>
   <p:clrMapOvr>
     <a:masterClrMapping/>
   </p:clrMapOvr>
-  <mc:AlternateContent xmlns:mc="http://schemas.openxmlformats.org/markup-compatibility/2006">
-    <mc:Choice xmlns:p14="http://schemas.microsoft.com/office/powerpoint/2010/main" Requires="p14">
-      <p:transition spd="slow" p14:dur="2000" advTm="45958"/>
+  <mc:AlternateContent xmlns:mc="http://schemas.openxmlformats.org/markup-compatibility/2006" xmlns:p14="http://schemas.microsoft.com/office/powerpoint/2010/main">
+    <mc:Choice Requires="p14">
+      <p:transition spd="slow" p14:dur="2000" advTm="13169"/>
     </mc:Choice>
-    <mc:Fallback>
-      <p:transition spd="slow" advTm="45958"/>
+    <mc:Fallback xmlns="">
+      <p:transition spd="slow" advTm="13169"/>
     </mc:Fallback>
   </mc:AlternateContent>
 </p:sld>
